--- a/_SLIDES/2020_DEEL1/H7-Methoden/H7-1-methoden.pptx
+++ b/_SLIDES/2020_DEEL1/H7-Methoden/H7-1-methoden.pptx
@@ -2762,7 +2762,7 @@
           <a:p>
             <a:fld id="{AAB1E9D1-C262-4CF5-AED2-7DBFF7C74527}" type="datetimeFigureOut">
               <a:rPr lang="nl-BE" smtClean="0"/>
-              <a:t>14/09/2020</a:t>
+              <a:t>9/10/2020</a:t>
             </a:fld>
             <a:endParaRPr lang="nl-BE"/>
           </a:p>
@@ -3285,7 +3285,7 @@
           <a:p>
             <a:fld id="{2661A00B-007A-4326-8859-8C83DD4C6E5D}" type="datetimeFigureOut">
               <a:rPr lang="nl-BE" smtClean="0"/>
-              <a:t>14/09/2020</a:t>
+              <a:t>9/10/2020</a:t>
             </a:fld>
             <a:endParaRPr lang="nl-BE"/>
           </a:p>
@@ -3578,7 +3578,7 @@
           <a:p>
             <a:fld id="{2661A00B-007A-4326-8859-8C83DD4C6E5D}" type="datetimeFigureOut">
               <a:rPr lang="nl-BE" smtClean="0"/>
-              <a:t>14/09/2020</a:t>
+              <a:t>9/10/2020</a:t>
             </a:fld>
             <a:endParaRPr lang="nl-BE"/>
           </a:p>
@@ -3788,7 +3788,7 @@
           <a:p>
             <a:fld id="{2661A00B-007A-4326-8859-8C83DD4C6E5D}" type="datetimeFigureOut">
               <a:rPr lang="nl-BE" smtClean="0"/>
-              <a:t>14/09/2020</a:t>
+              <a:t>9/10/2020</a:t>
             </a:fld>
             <a:endParaRPr lang="nl-BE"/>
           </a:p>
@@ -4018,7 +4018,7 @@
           <a:p>
             <a:fld id="{2661A00B-007A-4326-8859-8C83DD4C6E5D}" type="datetimeFigureOut">
               <a:rPr lang="nl-BE" smtClean="0"/>
-              <a:t>14/09/2020</a:t>
+              <a:t>9/10/2020</a:t>
             </a:fld>
             <a:endParaRPr lang="nl-BE"/>
           </a:p>
@@ -4294,7 +4294,7 @@
           <a:p>
             <a:fld id="{2661A00B-007A-4326-8859-8C83DD4C6E5D}" type="datetimeFigureOut">
               <a:rPr lang="nl-BE" smtClean="0"/>
-              <a:t>14/09/2020</a:t>
+              <a:t>9/10/2020</a:t>
             </a:fld>
             <a:endParaRPr lang="nl-BE"/>
           </a:p>
@@ -4562,7 +4562,7 @@
           <a:p>
             <a:fld id="{2661A00B-007A-4326-8859-8C83DD4C6E5D}" type="datetimeFigureOut">
               <a:rPr lang="nl-BE" smtClean="0"/>
-              <a:t>14/09/2020</a:t>
+              <a:t>9/10/2020</a:t>
             </a:fld>
             <a:endParaRPr lang="nl-BE"/>
           </a:p>
@@ -4977,7 +4977,7 @@
           <a:p>
             <a:fld id="{2661A00B-007A-4326-8859-8C83DD4C6E5D}" type="datetimeFigureOut">
               <a:rPr lang="nl-BE" smtClean="0"/>
-              <a:t>14/09/2020</a:t>
+              <a:t>9/10/2020</a:t>
             </a:fld>
             <a:endParaRPr lang="nl-BE"/>
           </a:p>
@@ -5119,7 +5119,7 @@
           <a:p>
             <a:fld id="{2661A00B-007A-4326-8859-8C83DD4C6E5D}" type="datetimeFigureOut">
               <a:rPr lang="nl-BE" smtClean="0"/>
-              <a:t>14/09/2020</a:t>
+              <a:t>9/10/2020</a:t>
             </a:fld>
             <a:endParaRPr lang="nl-BE"/>
           </a:p>
@@ -5232,7 +5232,7 @@
           <a:p>
             <a:fld id="{2661A00B-007A-4326-8859-8C83DD4C6E5D}" type="datetimeFigureOut">
               <a:rPr lang="nl-BE" smtClean="0"/>
-              <a:t>14/09/2020</a:t>
+              <a:t>9/10/2020</a:t>
             </a:fld>
             <a:endParaRPr lang="nl-BE"/>
           </a:p>
@@ -5545,7 +5545,7 @@
           <a:p>
             <a:fld id="{2661A00B-007A-4326-8859-8C83DD4C6E5D}" type="datetimeFigureOut">
               <a:rPr lang="nl-BE" smtClean="0"/>
-              <a:t>14/09/2020</a:t>
+              <a:t>9/10/2020</a:t>
             </a:fld>
             <a:endParaRPr lang="nl-BE"/>
           </a:p>
@@ -5838,7 +5838,7 @@
           <a:p>
             <a:fld id="{2661A00B-007A-4326-8859-8C83DD4C6E5D}" type="datetimeFigureOut">
               <a:rPr lang="nl-BE" smtClean="0"/>
-              <a:t>14/09/2020</a:t>
+              <a:t>9/10/2020</a:t>
             </a:fld>
             <a:endParaRPr lang="nl-BE"/>
           </a:p>
@@ -6081,7 +6081,7 @@
           <a:p>
             <a:fld id="{2661A00B-007A-4326-8859-8C83DD4C6E5D}" type="datetimeFigureOut">
               <a:rPr lang="nl-BE" smtClean="0"/>
-              <a:t>14/09/2020</a:t>
+              <a:t>9/10/2020</a:t>
             </a:fld>
             <a:endParaRPr lang="nl-BE"/>
           </a:p>
@@ -7155,7 +7155,10 @@
             </a:avLst>
           </a:prstGeom>
           <a:solidFill>
-            <a:schemeClr val="accent1"/>
+            <a:schemeClr val="accent6">
+              <a:lumMod val="60000"/>
+              <a:lumOff val="40000"/>
+            </a:schemeClr>
           </a:solidFill>
           <a:ln w="9525" cap="flat" cmpd="sng" algn="ctr">
             <a:solidFill>
@@ -7943,10 +7946,10 @@
         </p:nvGrpSpPr>
         <p:grpSpPr>
           <a:xfrm>
-            <a:off x="479376" y="1988840"/>
-            <a:ext cx="5972919" cy="3100362"/>
-            <a:chOff x="2001839" y="2128838"/>
-            <a:chExt cx="4162424" cy="1562100"/>
+            <a:off x="479376" y="2608266"/>
+            <a:ext cx="5972919" cy="2179638"/>
+            <a:chOff x="2001839" y="2440931"/>
+            <a:chExt cx="4162424" cy="1098198"/>
           </a:xfrm>
         </p:grpSpPr>
         <p:pic>
@@ -7957,7 +7960,7 @@
             </p:cNvPicPr>
             <p:nvPr/>
           </p:nvPicPr>
-          <p:blipFill>
+          <p:blipFill rotWithShape="1">
             <a:blip r:embed="rId2">
               <a:extLst>
                 <a:ext uri="{28A0092B-C50C-407E-A947-70E740481C1C}">
@@ -7965,15 +7968,13 @@
                 </a:ext>
               </a:extLst>
             </a:blip>
-            <a:srcRect/>
-            <a:stretch>
-              <a:fillRect/>
-            </a:stretch>
+            <a:srcRect t="19979" b="9718"/>
+            <a:stretch/>
           </p:blipFill>
           <p:spPr bwMode="auto">
             <a:xfrm>
-              <a:off x="2506663" y="2128838"/>
-              <a:ext cx="3657600" cy="1562100"/>
+              <a:off x="2506663" y="2440931"/>
+              <a:ext cx="3657600" cy="1098198"/>
             </a:xfrm>
             <a:prstGeom prst="rect">
               <a:avLst/>
@@ -8418,10 +8419,10 @@
         </p:nvGrpSpPr>
         <p:grpSpPr>
           <a:xfrm>
-            <a:off x="774700" y="2179242"/>
-            <a:ext cx="5884864" cy="2884338"/>
-            <a:chOff x="2506663" y="2128838"/>
-            <a:chExt cx="3657600" cy="1562100"/>
+            <a:off x="774700" y="2791870"/>
+            <a:ext cx="5884864" cy="1902368"/>
+            <a:chOff x="2506663" y="2460626"/>
+            <a:chExt cx="3657600" cy="1030285"/>
           </a:xfrm>
         </p:grpSpPr>
         <p:pic>
@@ -8432,7 +8433,7 @@
             </p:cNvPicPr>
             <p:nvPr/>
           </p:nvPicPr>
-          <p:blipFill>
+          <p:blipFill rotWithShape="1">
             <a:blip r:embed="rId2">
               <a:extLst>
                 <a:ext uri="{28A0092B-C50C-407E-A947-70E740481C1C}">
@@ -8440,15 +8441,13 @@
                 </a:ext>
               </a:extLst>
             </a:blip>
-            <a:srcRect/>
-            <a:stretch>
-              <a:fillRect/>
-            </a:stretch>
+            <a:srcRect t="21240" b="12805"/>
+            <a:stretch/>
           </p:blipFill>
           <p:spPr bwMode="auto">
             <a:xfrm>
-              <a:off x="2506663" y="2128838"/>
-              <a:ext cx="3657600" cy="1562100"/>
+              <a:off x="2506663" y="2460626"/>
+              <a:ext cx="3657600" cy="1030285"/>
             </a:xfrm>
             <a:prstGeom prst="rect">
               <a:avLst/>
@@ -9012,10 +9011,10 @@
         </p:nvGrpSpPr>
         <p:grpSpPr>
           <a:xfrm>
-            <a:off x="623392" y="2132856"/>
-            <a:ext cx="6216700" cy="3316386"/>
-            <a:chOff x="2506663" y="2128838"/>
-            <a:chExt cx="4189413" cy="1562100"/>
+            <a:off x="623392" y="2806698"/>
+            <a:ext cx="6216700" cy="2298700"/>
+            <a:chOff x="2506663" y="2446235"/>
+            <a:chExt cx="4189413" cy="1082745"/>
           </a:xfrm>
         </p:grpSpPr>
         <p:pic>
@@ -9026,7 +9025,7 @@
             </p:cNvPicPr>
             <p:nvPr/>
           </p:nvPicPr>
-          <p:blipFill>
+          <p:blipFill rotWithShape="1">
             <a:blip r:embed="rId2">
               <a:extLst>
                 <a:ext uri="{28A0092B-C50C-407E-A947-70E740481C1C}">
@@ -9034,15 +9033,13 @@
                 </a:ext>
               </a:extLst>
             </a:blip>
-            <a:srcRect/>
-            <a:stretch>
-              <a:fillRect/>
-            </a:stretch>
+            <a:srcRect t="20319" b="10368"/>
+            <a:stretch/>
           </p:blipFill>
           <p:spPr bwMode="auto">
             <a:xfrm>
-              <a:off x="2506663" y="2128838"/>
-              <a:ext cx="3657600" cy="1562100"/>
+              <a:off x="2506663" y="2446235"/>
+              <a:ext cx="3657600" cy="1082745"/>
             </a:xfrm>
             <a:prstGeom prst="rect">
               <a:avLst/>
@@ -9516,10 +9513,10 @@
         </p:nvGrpSpPr>
         <p:grpSpPr>
           <a:xfrm>
-            <a:off x="301091" y="2119067"/>
-            <a:ext cx="6164263" cy="2956346"/>
-            <a:chOff x="1987550" y="2128838"/>
-            <a:chExt cx="4176713" cy="1562100"/>
+            <a:off x="301091" y="2737977"/>
+            <a:ext cx="6164263" cy="1956262"/>
+            <a:chOff x="1987550" y="2455863"/>
+            <a:chExt cx="4176713" cy="1033667"/>
           </a:xfrm>
         </p:grpSpPr>
         <p:pic>
@@ -9530,7 +9527,7 @@
             </p:cNvPicPr>
             <p:nvPr/>
           </p:nvPicPr>
-          <p:blipFill>
+          <p:blipFill rotWithShape="1">
             <a:blip r:embed="rId2">
               <a:extLst>
                 <a:ext uri="{28A0092B-C50C-407E-A947-70E740481C1C}">
@@ -9538,15 +9535,13 @@
                 </a:ext>
               </a:extLst>
             </a:blip>
-            <a:srcRect/>
-            <a:stretch>
-              <a:fillRect/>
-            </a:stretch>
+            <a:srcRect t="20935" b="12894"/>
+            <a:stretch/>
           </p:blipFill>
           <p:spPr bwMode="auto">
             <a:xfrm>
-              <a:off x="2506663" y="2128838"/>
-              <a:ext cx="3657600" cy="1562100"/>
+              <a:off x="2506663" y="2455863"/>
+              <a:ext cx="3657600" cy="1033667"/>
             </a:xfrm>
             <a:prstGeom prst="rect">
               <a:avLst/>
@@ -10020,10 +10015,10 @@
         </p:nvGrpSpPr>
         <p:grpSpPr>
           <a:xfrm>
-            <a:off x="839417" y="2128838"/>
-            <a:ext cx="6572622" cy="4036466"/>
-            <a:chOff x="2506663" y="2128838"/>
-            <a:chExt cx="4905375" cy="2989263"/>
+            <a:off x="839417" y="2593051"/>
+            <a:ext cx="6572622" cy="3572252"/>
+            <a:chOff x="2506663" y="2472618"/>
+            <a:chExt cx="4905375" cy="2645483"/>
           </a:xfrm>
         </p:grpSpPr>
         <p:pic>
@@ -10034,7 +10029,7 @@
             </p:cNvPicPr>
             <p:nvPr/>
           </p:nvPicPr>
-          <p:blipFill>
+          <p:blipFill rotWithShape="1">
             <a:blip r:embed="rId2">
               <a:extLst>
                 <a:ext uri="{28A0092B-C50C-407E-A947-70E740481C1C}">
@@ -10042,15 +10037,13 @@
                 </a:ext>
               </a:extLst>
             </a:blip>
-            <a:srcRect/>
-            <a:stretch>
-              <a:fillRect/>
-            </a:stretch>
+            <a:srcRect t="22008" b="10063"/>
+            <a:stretch/>
           </p:blipFill>
           <p:spPr bwMode="auto">
             <a:xfrm>
-              <a:off x="2506663" y="2128838"/>
-              <a:ext cx="3657600" cy="1562100"/>
+              <a:off x="2506663" y="2472618"/>
+              <a:ext cx="3657600" cy="1061117"/>
             </a:xfrm>
             <a:prstGeom prst="rect">
               <a:avLst/>
@@ -16629,7 +16622,7 @@
 </file>
 
 <file path=ppt/slides/slide34.xml><?xml version="1.0" encoding="utf-8"?>
-<p:sld xmlns:a="http://schemas.openxmlformats.org/drawingml/2006/main" xmlns:r="http://schemas.openxmlformats.org/officeDocument/2006/relationships" xmlns:p="http://schemas.openxmlformats.org/presentationml/2006/main">
+<p:sld xmlns:a="http://schemas.openxmlformats.org/drawingml/2006/main" xmlns:r="http://schemas.openxmlformats.org/officeDocument/2006/relationships" xmlns:p="http://schemas.openxmlformats.org/presentationml/2006/main" show="0">
   <p:cSld>
     <p:spTree>
       <p:nvGrpSpPr>
@@ -19912,7 +19905,7 @@
         </p:nvSpPr>
         <p:spPr>
           <a:xfrm>
-            <a:off x="703398" y="5091289"/>
+            <a:off x="703397" y="5196151"/>
             <a:ext cx="11779420" cy="1661849"/>
           </a:xfrm>
         </p:spPr>
@@ -23623,10 +23616,10 @@
         </p:nvGrpSpPr>
         <p:grpSpPr>
           <a:xfrm>
-            <a:off x="1127448" y="1642877"/>
-            <a:ext cx="5121276" cy="2902322"/>
-            <a:chOff x="2101851" y="1174750"/>
-            <a:chExt cx="3019425" cy="1504950"/>
+            <a:off x="1127448" y="2203137"/>
+            <a:ext cx="5121276" cy="2000563"/>
+            <a:chOff x="2101851" y="1465263"/>
+            <a:chExt cx="3019425" cy="1037358"/>
           </a:xfrm>
         </p:grpSpPr>
         <p:pic>
@@ -23637,7 +23630,7 @@
             </p:cNvPicPr>
             <p:nvPr/>
           </p:nvPicPr>
-          <p:blipFill>
+          <p:blipFill rotWithShape="1">
             <a:blip r:embed="rId2">
               <a:extLst>
                 <a:ext uri="{28A0092B-C50C-407E-A947-70E740481C1C}">
@@ -23645,15 +23638,13 @@
                 </a:ext>
               </a:extLst>
             </a:blip>
-            <a:srcRect/>
-            <a:stretch>
-              <a:fillRect/>
-            </a:stretch>
+            <a:srcRect t="19304" b="11766"/>
+            <a:stretch/>
           </p:blipFill>
           <p:spPr bwMode="auto">
             <a:xfrm>
-              <a:off x="2101851" y="1174750"/>
-              <a:ext cx="3019425" cy="1504950"/>
+              <a:off x="2101851" y="1465263"/>
+              <a:ext cx="3019425" cy="1037358"/>
             </a:xfrm>
             <a:prstGeom prst="rect">
               <a:avLst/>
@@ -24078,10 +24069,10 @@
         </p:nvGrpSpPr>
         <p:grpSpPr>
           <a:xfrm>
-            <a:off x="767408" y="1412776"/>
-            <a:ext cx="5522914" cy="2974330"/>
-            <a:chOff x="1714500" y="1174750"/>
-            <a:chExt cx="3808414" cy="1504950"/>
+            <a:off x="767408" y="2006601"/>
+            <a:ext cx="5522914" cy="2032000"/>
+            <a:chOff x="1714500" y="1475213"/>
+            <a:chExt cx="3808414" cy="1028150"/>
           </a:xfrm>
         </p:grpSpPr>
         <p:pic>
@@ -24092,7 +24083,7 @@
             </p:cNvPicPr>
             <p:nvPr/>
           </p:nvPicPr>
-          <p:blipFill>
+          <p:blipFill rotWithShape="1">
             <a:blip r:embed="rId2">
               <a:extLst>
                 <a:ext uri="{28A0092B-C50C-407E-A947-70E740481C1C}">
@@ -24100,15 +24091,13 @@
                 </a:ext>
               </a:extLst>
             </a:blip>
-            <a:srcRect/>
-            <a:stretch>
-              <a:fillRect/>
-            </a:stretch>
+            <a:srcRect t="19965" b="11717"/>
+            <a:stretch/>
           </p:blipFill>
           <p:spPr bwMode="auto">
             <a:xfrm>
-              <a:off x="2101851" y="1174750"/>
-              <a:ext cx="3019425" cy="1504950"/>
+              <a:off x="2101851" y="1475213"/>
+              <a:ext cx="3019425" cy="1028150"/>
             </a:xfrm>
             <a:prstGeom prst="rect">
               <a:avLst/>
@@ -24341,7 +24330,7 @@
           <a:bodyPr/>
           <a:lstStyle/>
           <a:p>
-            <a:endParaRPr lang="en-IE"/>
+            <a:endParaRPr lang="en-IE" dirty="0"/>
           </a:p>
         </p:txBody>
       </p:sp>
@@ -24616,10 +24605,10 @@
         </p:nvGrpSpPr>
         <p:grpSpPr>
           <a:xfrm>
-            <a:off x="825898" y="1673126"/>
-            <a:ext cx="7837884" cy="4270474"/>
-            <a:chOff x="1714500" y="1174750"/>
-            <a:chExt cx="4786314" cy="2268539"/>
+            <a:off x="825898" y="2151611"/>
+            <a:ext cx="7837884" cy="3791990"/>
+            <a:chOff x="1714500" y="1428928"/>
+            <a:chExt cx="4786314" cy="2014361"/>
           </a:xfrm>
         </p:grpSpPr>
         <p:pic>
@@ -24630,7 +24619,7 @@
             </p:cNvPicPr>
             <p:nvPr/>
           </p:nvPicPr>
-          <p:blipFill>
+          <p:blipFill rotWithShape="1">
             <a:blip r:embed="rId2">
               <a:extLst>
                 <a:ext uri="{28A0092B-C50C-407E-A947-70E740481C1C}">
@@ -24638,15 +24627,13 @@
                 </a:ext>
               </a:extLst>
             </a:blip>
-            <a:srcRect/>
-            <a:stretch>
-              <a:fillRect/>
-            </a:stretch>
+            <a:srcRect t="16889" b="9332"/>
+            <a:stretch/>
           </p:blipFill>
           <p:spPr bwMode="auto">
             <a:xfrm>
-              <a:off x="2101851" y="1174750"/>
-              <a:ext cx="3019425" cy="1504950"/>
+              <a:off x="2101851" y="1428928"/>
+              <a:ext cx="3019425" cy="1110339"/>
             </a:xfrm>
             <a:prstGeom prst="rect">
               <a:avLst/>
